--- a/버젼 관리 시스템.pptx
+++ b/버젼 관리 시스템.pptx
@@ -132,7 +132,7 @@
   </p:defaultTextStyle>
   <p:extLst>
     <p:ext uri="{EFAFB233-063F-42B5-8137-9DF3F51BA10A}">
-      <p15:sldGuideLst xmlns:p15="http://schemas.microsoft.com/office/powerpoint/2012/main" xmlns="">
+      <p15:sldGuideLst xmlns="" xmlns:p15="http://schemas.microsoft.com/office/powerpoint/2012/main">
         <p15:guide id="1" orient="horz" pos="527">
           <p15:clr>
             <a:srgbClr val="A4A3A4"/>
@@ -242,7 +242,7 @@
             <a:fld id="{C2032365-1F82-4177-BA8F-AF774D9E40C5}" type="datetimeFigureOut">
               <a:rPr lang="ko-KR" altLang="en-US" smtClean="0"/>
               <a:pPr/>
-              <a:t>2015-03-18</a:t>
+              <a:t>2015-03-19</a:t>
             </a:fld>
             <a:endParaRPr lang="ko-KR" altLang="en-US"/>
           </a:p>
@@ -409,7 +409,7 @@
             <a:fld id="{50CA9F8B-82E6-4C42-9925-EE1556CACF4F}" type="datetimeFigureOut">
               <a:rPr lang="ko-KR" altLang="en-US" smtClean="0"/>
               <a:pPr/>
-              <a:t>2015-03-18</a:t>
+              <a:t>2015-03-19</a:t>
             </a:fld>
             <a:endParaRPr lang="ko-KR" altLang="en-US"/>
           </a:p>
@@ -4439,7 +4439,7 @@
           <a:p>
             <a:fld id="{660B3408-E7D5-4318-B43A-69CB1821A750}" type="datetime1">
               <a:rPr lang="ko-KR" altLang="en-US" smtClean="0"/>
-              <a:t>2015-03-18</a:t>
+              <a:t>2015-03-19</a:t>
             </a:fld>
             <a:endParaRPr lang="ko-KR" altLang="en-US"/>
           </a:p>
@@ -4681,7 +4681,7 @@
           <a:p>
             <a:fld id="{38018668-8877-450B-8757-BBEB4FB77537}" type="datetime1">
               <a:rPr lang="ko-KR" altLang="en-US" smtClean="0"/>
-              <a:t>2015-03-18</a:t>
+              <a:t>2015-03-19</a:t>
             </a:fld>
             <a:endParaRPr lang="ko-KR" altLang="en-US"/>
           </a:p>
@@ -4869,7 +4869,7 @@
           <a:p>
             <a:fld id="{85CBC727-4ACA-4C0A-9FF8-6BD0557E1ED7}" type="datetime1">
               <a:rPr lang="ko-KR" altLang="en-US" smtClean="0"/>
-              <a:t>2015-03-18</a:t>
+              <a:t>2015-03-19</a:t>
             </a:fld>
             <a:endParaRPr lang="ko-KR" altLang="en-US"/>
           </a:p>
@@ -5207,7 +5207,7 @@
           <a:p>
             <a:fld id="{58D4D685-4CF8-4A83-A3BC-8A94CB00F69F}" type="datetime1">
               <a:rPr lang="ko-KR" altLang="en-US" smtClean="0"/>
-              <a:t>2015-03-18</a:t>
+              <a:t>2015-03-19</a:t>
             </a:fld>
             <a:endParaRPr lang="ko-KR" altLang="en-US" dirty="0"/>
           </a:p>
@@ -5582,7 +5582,7 @@
           <a:p>
             <a:fld id="{090B441A-7ED1-4334-A881-455B00F29335}" type="datetime1">
               <a:rPr lang="ko-KR" altLang="en-US" smtClean="0"/>
-              <a:t>2015-03-18</a:t>
+              <a:t>2015-03-19</a:t>
             </a:fld>
             <a:endParaRPr lang="ko-KR" altLang="en-US"/>
           </a:p>
@@ -5885,7 +5885,7 @@
           <a:p>
             <a:fld id="{9078AB16-963E-4767-B0FB-99CDF97A5A78}" type="datetime1">
               <a:rPr lang="ko-KR" altLang="en-US" smtClean="0"/>
-              <a:t>2015-03-18</a:t>
+              <a:t>2015-03-19</a:t>
             </a:fld>
             <a:endParaRPr lang="ko-KR" altLang="en-US"/>
           </a:p>
@@ -6322,7 +6322,7 @@
           <a:p>
             <a:fld id="{D9AA189B-EFAD-4152-914C-2A30FC1D70C8}" type="datetime1">
               <a:rPr lang="ko-KR" altLang="en-US" smtClean="0"/>
-              <a:t>2015-03-18</a:t>
+              <a:t>2015-03-19</a:t>
             </a:fld>
             <a:endParaRPr lang="ko-KR" altLang="en-US"/>
           </a:p>
@@ -6455,7 +6455,7 @@
           <a:p>
             <a:fld id="{0A67406C-0CFB-44C3-886E-AE9B529D3221}" type="datetime1">
               <a:rPr lang="ko-KR" altLang="en-US" smtClean="0"/>
-              <a:t>2015-03-18</a:t>
+              <a:t>2015-03-19</a:t>
             </a:fld>
             <a:endParaRPr lang="ko-KR" altLang="en-US"/>
           </a:p>
@@ -6558,7 +6558,7 @@
           <a:p>
             <a:fld id="{857AA6D8-9EFB-4939-B7AC-4C683785C91E}" type="datetime1">
               <a:rPr lang="ko-KR" altLang="en-US" smtClean="0"/>
-              <a:t>2015-03-18</a:t>
+              <a:t>2015-03-19</a:t>
             </a:fld>
             <a:endParaRPr lang="ko-KR" altLang="en-US"/>
           </a:p>
@@ -6843,7 +6843,7 @@
           <a:p>
             <a:fld id="{D5F2A624-8880-4868-AAE0-9DC2921F3E8A}" type="datetime1">
               <a:rPr lang="ko-KR" altLang="en-US" smtClean="0"/>
-              <a:t>2015-03-18</a:t>
+              <a:t>2015-03-19</a:t>
             </a:fld>
             <a:endParaRPr lang="ko-KR" altLang="en-US"/>
           </a:p>
@@ -7104,7 +7104,7 @@
           <a:p>
             <a:fld id="{F0A16D42-052E-48BE-823D-E944DF348CC0}" type="datetime1">
               <a:rPr lang="ko-KR" altLang="en-US" smtClean="0"/>
-              <a:t>2015-03-18</a:t>
+              <a:t>2015-03-19</a:t>
             </a:fld>
             <a:endParaRPr lang="ko-KR" altLang="en-US"/>
           </a:p>
@@ -7325,7 +7325,7 @@
           <a:p>
             <a:fld id="{ACF4743A-FF75-4588-911A-4118318E353E}" type="datetime1">
               <a:rPr lang="ko-KR" altLang="en-US" smtClean="0"/>
-              <a:t>2015-03-18</a:t>
+              <a:t>2015-03-19</a:t>
             </a:fld>
             <a:endParaRPr lang="ko-KR" altLang="en-US"/>
           </a:p>
@@ -7897,33 +7897,7 @@
                 <a:latin typeface="HY헤드라인M" pitchFamily="18" charset="-127"/>
                 <a:ea typeface="HY헤드라인M" pitchFamily="18" charset="-127"/>
               </a:rPr>
-              <a:t>( </a:t>
-            </a:r>
-            <a:r>
-              <a:rPr lang="en-US" altLang="ko-KR" sz="4000" spc="-300" dirty="0" smtClean="0">
-                <a:solidFill>
-                  <a:schemeClr val="tx1">
-                    <a:lumMod val="75000"/>
-                    <a:lumOff val="25000"/>
-                  </a:schemeClr>
-                </a:solidFill>
-                <a:latin typeface="HY헤드라인M" pitchFamily="18" charset="-127"/>
-                <a:ea typeface="HY헤드라인M" pitchFamily="18" charset="-127"/>
-              </a:rPr>
-              <a:t>Version Control System </a:t>
-            </a:r>
-            <a:r>
-              <a:rPr lang="en-US" altLang="ko-KR" sz="4000" spc="-300" dirty="0" smtClean="0">
-                <a:solidFill>
-                  <a:schemeClr val="tx1">
-                    <a:lumMod val="75000"/>
-                    <a:lumOff val="25000"/>
-                  </a:schemeClr>
-                </a:solidFill>
-                <a:latin typeface="HY헤드라인M" pitchFamily="18" charset="-127"/>
-                <a:ea typeface="HY헤드라인M" pitchFamily="18" charset="-127"/>
-              </a:rPr>
-              <a:t>)</a:t>
+              <a:t>( Version Control System )</a:t>
             </a:r>
             <a:endParaRPr lang="ko-KR" altLang="en-US" sz="4000" spc="-300" dirty="0">
               <a:solidFill>
@@ -8173,7 +8147,7 @@
           <a:p>
             <a:fld id="{487030AB-722A-4388-A460-9F920DB0569B}" type="datetime1">
               <a:rPr lang="ko-KR" altLang="en-US" smtClean="0"/>
-              <a:t>2015-03-18</a:t>
+              <a:t>2015-03-19</a:t>
             </a:fld>
             <a:endParaRPr lang="ko-KR" altLang="en-US"/>
           </a:p>
@@ -8264,14 +8238,7 @@
                 <a:latin typeface="+mn-ea"/>
                 <a:ea typeface="+mn-ea"/>
               </a:rPr>
-              <a:t> </a:t>
-            </a:r>
-            <a:r>
-              <a:rPr lang="ko-KR" altLang="en-US" sz="2400" b="1" dirty="0" smtClean="0">
-                <a:latin typeface="+mn-ea"/>
-                <a:ea typeface="+mn-ea"/>
-              </a:rPr>
-              <a:t>개요</a:t>
+              <a:t> 개요</a:t>
             </a:r>
             <a:endParaRPr lang="ko-KR" altLang="en-US" sz="2400" b="1" dirty="0">
               <a:latin typeface="+mn-ea"/>
@@ -8372,7 +8339,7 @@
           <a:p>
             <a:fld id="{1FD01706-F32A-44D1-B068-26EE1DCA7CB0}" type="datetime1">
               <a:rPr lang="ko-KR" altLang="en-US" smtClean="0"/>
-              <a:t>2015-03-18</a:t>
+              <a:t>2015-03-19</a:t>
             </a:fld>
             <a:endParaRPr lang="ko-KR" altLang="en-US"/>
           </a:p>
@@ -8508,14 +8475,7 @@
                 <a:latin typeface="+mn-ea"/>
                 <a:ea typeface="+mn-ea"/>
               </a:rPr>
-              <a:t> </a:t>
-            </a:r>
-            <a:r>
-              <a:rPr lang="ko-KR" altLang="en-US" sz="2400" b="1" dirty="0" smtClean="0">
-                <a:latin typeface="+mn-ea"/>
-                <a:ea typeface="+mn-ea"/>
-              </a:rPr>
-              <a:t>개요</a:t>
+              <a:t> 개요</a:t>
             </a:r>
             <a:endParaRPr lang="ko-KR" altLang="en-US" sz="2400" b="1" dirty="0">
               <a:latin typeface="+mn-ea"/>
@@ -8616,7 +8576,7 @@
           <a:p>
             <a:fld id="{1FD01706-F32A-44D1-B068-26EE1DCA7CB0}" type="datetime1">
               <a:rPr lang="ko-KR" altLang="en-US" smtClean="0"/>
-              <a:t>2015-03-18</a:t>
+              <a:t>2015-03-19</a:t>
             </a:fld>
             <a:endParaRPr lang="ko-KR" altLang="en-US"/>
           </a:p>
@@ -8752,14 +8712,7 @@
                 <a:latin typeface="+mn-ea"/>
                 <a:ea typeface="+mn-ea"/>
               </a:rPr>
-              <a:t> </a:t>
-            </a:r>
-            <a:r>
-              <a:rPr lang="ko-KR" altLang="en-US" sz="2400" b="1" dirty="0" smtClean="0">
-                <a:latin typeface="+mn-ea"/>
-                <a:ea typeface="+mn-ea"/>
-              </a:rPr>
-              <a:t>개요</a:t>
+              <a:t> 개요</a:t>
             </a:r>
             <a:endParaRPr lang="ko-KR" altLang="en-US" sz="2400" b="1" dirty="0">
               <a:latin typeface="+mn-ea"/>
@@ -8860,7 +8813,7 @@
           <a:p>
             <a:fld id="{1FD01706-F32A-44D1-B068-26EE1DCA7CB0}" type="datetime1">
               <a:rPr lang="ko-KR" altLang="en-US" smtClean="0"/>
-              <a:t>2015-03-18</a:t>
+              <a:t>2015-03-19</a:t>
             </a:fld>
             <a:endParaRPr lang="ko-KR" altLang="en-US"/>
           </a:p>
@@ -8996,14 +8949,7 @@
                 <a:latin typeface="+mn-ea"/>
                 <a:ea typeface="+mn-ea"/>
               </a:rPr>
-              <a:t> </a:t>
-            </a:r>
-            <a:r>
-              <a:rPr lang="ko-KR" altLang="en-US" sz="2400" b="1" dirty="0" smtClean="0">
-                <a:latin typeface="+mn-ea"/>
-                <a:ea typeface="+mn-ea"/>
-              </a:rPr>
-              <a:t>개요</a:t>
+              <a:t> 개요</a:t>
             </a:r>
             <a:endParaRPr lang="ko-KR" altLang="en-US" sz="2400" b="1" dirty="0">
               <a:latin typeface="+mn-ea"/>
@@ -9104,7 +9050,7 @@
           <a:p>
             <a:fld id="{1FD01706-F32A-44D1-B068-26EE1DCA7CB0}" type="datetime1">
               <a:rPr lang="ko-KR" altLang="en-US" smtClean="0"/>
-              <a:t>2015-03-18</a:t>
+              <a:t>2015-03-19</a:t>
             </a:fld>
             <a:endParaRPr lang="ko-KR" altLang="en-US"/>
           </a:p>
@@ -9240,14 +9186,7 @@
                 <a:latin typeface="+mn-ea"/>
                 <a:ea typeface="+mn-ea"/>
               </a:rPr>
-              <a:t> </a:t>
-            </a:r>
-            <a:r>
-              <a:rPr lang="ko-KR" altLang="en-US" sz="2400" b="1" dirty="0" smtClean="0">
-                <a:latin typeface="+mn-ea"/>
-                <a:ea typeface="+mn-ea"/>
-              </a:rPr>
-              <a:t>개요</a:t>
+              <a:t> 개요</a:t>
             </a:r>
             <a:endParaRPr lang="ko-KR" altLang="en-US" sz="2400" b="1" dirty="0">
               <a:latin typeface="+mn-ea"/>
@@ -9348,7 +9287,7 @@
           <a:p>
             <a:fld id="{1FD01706-F32A-44D1-B068-26EE1DCA7CB0}" type="datetime1">
               <a:rPr lang="ko-KR" altLang="en-US" smtClean="0"/>
-              <a:t>2015-03-18</a:t>
+              <a:t>2015-03-19</a:t>
             </a:fld>
             <a:endParaRPr lang="ko-KR" altLang="en-US"/>
           </a:p>
@@ -9484,14 +9423,7 @@
                 <a:latin typeface="+mn-ea"/>
                 <a:ea typeface="+mn-ea"/>
               </a:rPr>
-              <a:t> </a:t>
-            </a:r>
-            <a:r>
-              <a:rPr lang="ko-KR" altLang="en-US" sz="2400" b="1" dirty="0" smtClean="0">
-                <a:latin typeface="+mn-ea"/>
-                <a:ea typeface="+mn-ea"/>
-              </a:rPr>
-              <a:t>개요</a:t>
+              <a:t> 개요</a:t>
             </a:r>
             <a:endParaRPr lang="ko-KR" altLang="en-US" sz="2400" b="1" dirty="0">
               <a:latin typeface="+mn-ea"/>
@@ -9592,7 +9524,7 @@
           <a:p>
             <a:fld id="{1FD01706-F32A-44D1-B068-26EE1DCA7CB0}" type="datetime1">
               <a:rPr lang="ko-KR" altLang="en-US" smtClean="0"/>
-              <a:t>2015-03-18</a:t>
+              <a:t>2015-03-19</a:t>
             </a:fld>
             <a:endParaRPr lang="ko-KR" altLang="en-US"/>
           </a:p>
@@ -9730,10 +9662,6 @@
               </a:rPr>
               <a:t>개요</a:t>
             </a:r>
-            <a:endParaRPr lang="ko-KR" altLang="en-US" sz="2400" b="1" dirty="0">
-              <a:latin typeface="+mn-ea"/>
-              <a:ea typeface="+mn-ea"/>
-            </a:endParaRPr>
           </a:p>
         </p:txBody>
       </p:sp>
@@ -10010,7 +9938,7 @@
           <a:p>
             <a:fld id="{7993E29E-824C-4158-9A08-019E078776C9}" type="datetime1">
               <a:rPr lang="ko-KR" altLang="en-US" smtClean="0"/>
-              <a:t>2015-03-18</a:t>
+              <a:t>2015-03-19</a:t>
             </a:fld>
             <a:endParaRPr lang="ko-KR" altLang="en-US"/>
           </a:p>
@@ -10084,10 +10012,6 @@
               </a:rPr>
               <a:t>개요</a:t>
             </a:r>
-            <a:endParaRPr lang="ko-KR" altLang="en-US" sz="2400" b="1" dirty="0">
-              <a:latin typeface="+mn-ea"/>
-              <a:ea typeface="+mn-ea"/>
-            </a:endParaRPr>
           </a:p>
         </p:txBody>
       </p:sp>
@@ -10183,7 +10107,7 @@
           <a:p>
             <a:fld id="{7993E29E-824C-4158-9A08-019E078776C9}" type="datetime1">
               <a:rPr lang="ko-KR" altLang="en-US" smtClean="0"/>
-              <a:t>2015-03-18</a:t>
+              <a:t>2015-03-19</a:t>
             </a:fld>
             <a:endParaRPr lang="ko-KR" altLang="en-US"/>
           </a:p>
@@ -10319,14 +10243,7 @@
                 <a:latin typeface="+mn-ea"/>
                 <a:ea typeface="+mn-ea"/>
               </a:rPr>
-              <a:t> </a:t>
-            </a:r>
-            <a:r>
-              <a:rPr lang="ko-KR" altLang="en-US" sz="2400" b="1" dirty="0" smtClean="0">
-                <a:latin typeface="+mn-ea"/>
-                <a:ea typeface="+mn-ea"/>
-              </a:rPr>
-              <a:t>개요</a:t>
+              <a:t> 개요</a:t>
             </a:r>
             <a:endParaRPr lang="ko-KR" altLang="en-US" sz="2400" b="1" dirty="0">
               <a:latin typeface="+mn-ea"/>
@@ -10563,14 +10480,7 @@
                 <a:latin typeface="+mn-ea"/>
                 <a:ea typeface="+mn-ea"/>
               </a:rPr>
-              <a:t> </a:t>
-            </a:r>
-            <a:r>
-              <a:rPr lang="ko-KR" altLang="en-US" sz="2400" b="1" dirty="0" smtClean="0">
-                <a:latin typeface="+mn-ea"/>
-                <a:ea typeface="+mn-ea"/>
-              </a:rPr>
-              <a:t>개요</a:t>
+              <a:t> 개요</a:t>
             </a:r>
             <a:endParaRPr lang="ko-KR" altLang="en-US" sz="2400" b="1" dirty="0">
               <a:latin typeface="+mn-ea"/>
@@ -11002,7 +10912,7 @@
                 <a:latin typeface="맑은 고딕" pitchFamily="50" charset="-127"/>
                 <a:ea typeface="맑은 고딕" pitchFamily="50" charset="-127"/>
               </a:rPr>
-              <a:t>VSC </a:t>
+              <a:t>VCS </a:t>
             </a:r>
             <a:r>
               <a:rPr lang="ko-KR" altLang="en-US" b="1" dirty="0" smtClean="0">
@@ -11068,7 +10978,7 @@
                 <a:latin typeface="맑은 고딕" pitchFamily="50" charset="-127"/>
                 <a:ea typeface="맑은 고딕" pitchFamily="50" charset="-127"/>
               </a:rPr>
-              <a:t>VSC </a:t>
+              <a:t>VCS </a:t>
             </a:r>
             <a:r>
               <a:rPr lang="ko-KR" altLang="en-US" b="1" dirty="0" smtClean="0">
@@ -11137,16 +11047,6 @@
               </a:rPr>
               <a:t>Mercurial</a:t>
             </a:r>
-            <a:endParaRPr lang="en-US" altLang="ko-KR" sz="1400" b="1" dirty="0" smtClean="0">
-              <a:solidFill>
-                <a:schemeClr val="tx1">
-                  <a:lumMod val="65000"/>
-                  <a:lumOff val="35000"/>
-                </a:schemeClr>
-              </a:solidFill>
-              <a:latin typeface="맑은 고딕" pitchFamily="50" charset="-127"/>
-              <a:ea typeface="맑은 고딕" pitchFamily="50" charset="-127"/>
-            </a:endParaRPr>
           </a:p>
           <a:p>
             <a:pPr marL="1200150" lvl="2" indent="-285750">
@@ -11318,14 +11218,7 @@
                 <a:latin typeface="+mn-ea"/>
                 <a:ea typeface="+mn-ea"/>
               </a:rPr>
-              <a:t> </a:t>
-            </a:r>
-            <a:r>
-              <a:rPr lang="ko-KR" altLang="en-US" sz="2400" b="1" dirty="0" smtClean="0">
-                <a:latin typeface="+mn-ea"/>
-                <a:ea typeface="+mn-ea"/>
-              </a:rPr>
-              <a:t>개요</a:t>
+              <a:t> 개요</a:t>
             </a:r>
             <a:endParaRPr lang="ko-KR" altLang="en-US" sz="2400" b="1" dirty="0">
               <a:latin typeface="+mn-ea"/>
@@ -11569,7 +11462,7 @@
           <a:p>
             <a:fld id="{58D4D685-4CF8-4A83-A3BC-8A94CB00F69F}" type="datetime1">
               <a:rPr lang="ko-KR" altLang="en-US" smtClean="0"/>
-              <a:t>2015-03-18</a:t>
+              <a:t>2015-03-19</a:t>
             </a:fld>
             <a:endParaRPr lang="ko-KR" altLang="en-US" dirty="0"/>
           </a:p>
@@ -11700,14 +11593,7 @@
                 <a:latin typeface="+mn-ea"/>
                 <a:ea typeface="+mn-ea"/>
               </a:rPr>
-              <a:t> </a:t>
-            </a:r>
-            <a:r>
-              <a:rPr lang="ko-KR" altLang="en-US" sz="2400" b="1" dirty="0" smtClean="0">
-                <a:latin typeface="+mn-ea"/>
-                <a:ea typeface="+mn-ea"/>
-              </a:rPr>
-              <a:t>개요</a:t>
+              <a:t> 개요</a:t>
             </a:r>
             <a:endParaRPr lang="ko-KR" altLang="en-US" sz="2400" b="1" dirty="0">
               <a:latin typeface="+mn-ea"/>
@@ -11838,27 +11724,7 @@
                 <a:latin typeface="+mj-ea"/>
                 <a:ea typeface="+mj-ea"/>
               </a:rPr>
-              <a:t>■  </a:t>
-            </a:r>
-            <a:r>
-              <a:rPr lang="ko-KR" altLang="en-US" sz="2000" b="1" dirty="0" smtClean="0">
-                <a:solidFill>
-                  <a:schemeClr val="bg1"/>
-                </a:solidFill>
-                <a:latin typeface="+mj-ea"/>
-                <a:ea typeface="+mj-ea"/>
-              </a:rPr>
-              <a:t>버전 관리</a:t>
-            </a:r>
-            <a:r>
-              <a:rPr lang="ko-KR" altLang="en-US" sz="2000" b="1" dirty="0" smtClean="0">
-                <a:solidFill>
-                  <a:schemeClr val="bg1"/>
-                </a:solidFill>
-                <a:latin typeface="+mj-ea"/>
-                <a:ea typeface="+mj-ea"/>
-              </a:rPr>
-              <a:t>란</a:t>
+              <a:t>■  버전 관리란</a:t>
             </a:r>
             <a:r>
               <a:rPr lang="en-US" altLang="ko-KR" sz="2000" b="1" dirty="0" smtClean="0">
@@ -12168,14 +12034,7 @@
                 <a:latin typeface="+mn-ea"/>
                 <a:ea typeface="+mn-ea"/>
               </a:rPr>
-              <a:t> </a:t>
-            </a:r>
-            <a:r>
-              <a:rPr lang="ko-KR" altLang="en-US" sz="2400" b="1" dirty="0" smtClean="0">
-                <a:latin typeface="+mn-ea"/>
-                <a:ea typeface="+mn-ea"/>
-              </a:rPr>
-              <a:t>개요</a:t>
+              <a:t> 개요</a:t>
             </a:r>
             <a:endParaRPr lang="ko-KR" altLang="en-US" sz="2400" b="1" dirty="0">
               <a:latin typeface="+mn-ea"/>
@@ -12316,7 +12175,7 @@
                 <a:latin typeface="+mj-ea"/>
                 <a:ea typeface="+mj-ea"/>
               </a:rPr>
-              <a:t>VSC </a:t>
+              <a:t>VCS </a:t>
             </a:r>
             <a:r>
               <a:rPr lang="ko-KR" altLang="en-US" sz="2000" b="1" dirty="0" smtClean="0">
@@ -12740,7 +12599,7 @@
           <a:p>
             <a:fld id="{1FD01706-F32A-44D1-B068-26EE1DCA7CB0}" type="datetime1">
               <a:rPr lang="ko-KR" altLang="en-US" smtClean="0"/>
-              <a:t>2015-03-18</a:t>
+              <a:t>2015-03-19</a:t>
             </a:fld>
             <a:endParaRPr lang="ko-KR" altLang="en-US"/>
           </a:p>
@@ -12805,10 +12664,10 @@
                 <a:latin typeface="+mn-ea"/>
                 <a:ea typeface="+mn-ea"/>
               </a:rPr>
-              <a:t>VSC</a:t>
-            </a:r>
-            <a:r>
-              <a:rPr lang="ko-KR" altLang="en-US" sz="2400" b="1" dirty="0">
+              <a:t>VCS</a:t>
+            </a:r>
+            <a:r>
+              <a:rPr lang="ko-KR" altLang="en-US" sz="2400" b="1" dirty="0" smtClean="0">
                 <a:latin typeface="+mn-ea"/>
                 <a:ea typeface="+mn-ea"/>
               </a:rPr>
@@ -12960,7 +12819,7 @@
                 <a:latin typeface="+mj-ea"/>
                 <a:ea typeface="+mj-ea"/>
               </a:rPr>
-              <a:t>VSC</a:t>
+              <a:t>VCS</a:t>
             </a:r>
             <a:r>
               <a:rPr lang="ko-KR" altLang="en-US" sz="2000" b="1" dirty="0" smtClean="0">
@@ -13268,7 +13127,7 @@
           <a:p>
             <a:fld id="{7993E29E-824C-4158-9A08-019E078776C9}" type="datetime1">
               <a:rPr lang="ko-KR" altLang="en-US" smtClean="0"/>
-              <a:t>2015-03-18</a:t>
+              <a:t>2015-03-19</a:t>
             </a:fld>
             <a:endParaRPr lang="ko-KR" altLang="en-US"/>
           </a:p>
@@ -13333,10 +13192,10 @@
                 <a:latin typeface="+mn-ea"/>
                 <a:ea typeface="+mn-ea"/>
               </a:rPr>
-              <a:t>VSC</a:t>
-            </a:r>
-            <a:r>
-              <a:rPr lang="ko-KR" altLang="en-US" sz="2400" b="1" dirty="0">
+              <a:t>VCS</a:t>
+            </a:r>
+            <a:r>
+              <a:rPr lang="ko-KR" altLang="en-US" sz="2400" b="1" dirty="0" smtClean="0">
                 <a:latin typeface="+mn-ea"/>
                 <a:ea typeface="+mn-ea"/>
               </a:rPr>
@@ -13478,57 +13337,37 @@
                 <a:latin typeface="+mj-ea"/>
                 <a:ea typeface="+mj-ea"/>
               </a:rPr>
-              <a:t>■  </a:t>
-            </a:r>
-            <a:r>
-              <a:rPr lang="ko-KR" altLang="en-US" sz="2000" b="1" dirty="0" smtClean="0">
+              <a:t>■  로컬 </a:t>
+            </a:r>
+            <a:r>
+              <a:rPr lang="en-US" altLang="ko-KR" sz="2000" b="1" dirty="0" smtClean="0">
                 <a:solidFill>
                   <a:schemeClr val="bg1"/>
                 </a:solidFill>
                 <a:latin typeface="+mj-ea"/>
                 <a:ea typeface="+mj-ea"/>
               </a:rPr>
-              <a:t>로컬 </a:t>
-            </a:r>
-            <a:r>
-              <a:rPr lang="en-US" altLang="ko-KR" sz="2000" b="1" dirty="0" smtClean="0">
+              <a:t>- </a:t>
+            </a:r>
+            <a:r>
+              <a:rPr lang="ko-KR" altLang="en-US" sz="2000" b="1" dirty="0" smtClean="0">
                 <a:solidFill>
                   <a:schemeClr val="bg1"/>
                 </a:solidFill>
                 <a:latin typeface="+mj-ea"/>
                 <a:ea typeface="+mj-ea"/>
               </a:rPr>
-              <a:t>- </a:t>
-            </a:r>
-            <a:r>
-              <a:rPr lang="ko-KR" altLang="en-US" sz="2000" b="1" dirty="0" smtClean="0">
+              <a:t> </a:t>
+            </a:r>
+            <a:r>
+              <a:rPr lang="en-US" altLang="ko-KR" sz="2000" b="1" dirty="0" smtClean="0">
                 <a:solidFill>
                   <a:schemeClr val="bg1"/>
                 </a:solidFill>
                 <a:latin typeface="+mj-ea"/>
                 <a:ea typeface="+mj-ea"/>
               </a:rPr>
-              <a:t> </a:t>
-            </a:r>
-            <a:r>
-              <a:rPr lang="en-US" altLang="ko-KR" sz="2000" b="1" dirty="0" smtClean="0">
-                <a:solidFill>
-                  <a:schemeClr val="bg1"/>
-                </a:solidFill>
-                <a:latin typeface="+mj-ea"/>
-                <a:ea typeface="+mj-ea"/>
-              </a:rPr>
-              <a:t>L</a:t>
-            </a:r>
-            <a:r>
-              <a:rPr lang="en-US" altLang="ko-KR" sz="2000" b="1" dirty="0" smtClean="0">
-                <a:solidFill>
-                  <a:schemeClr val="bg1"/>
-                </a:solidFill>
-                <a:latin typeface="+mj-ea"/>
-                <a:ea typeface="+mj-ea"/>
-              </a:rPr>
-              <a:t>VSC</a:t>
+              <a:t>LVCS</a:t>
             </a:r>
             <a:endParaRPr lang="ko-KR" altLang="en-US" sz="2000" b="1" dirty="0">
               <a:solidFill>
@@ -13632,7 +13471,7 @@
           <a:p>
             <a:fld id="{7993E29E-824C-4158-9A08-019E078776C9}" type="datetime1">
               <a:rPr lang="ko-KR" altLang="en-US" smtClean="0"/>
-              <a:t>2015-03-18</a:t>
+              <a:t>2015-03-19</a:t>
             </a:fld>
             <a:endParaRPr lang="ko-KR" altLang="en-US"/>
           </a:p>
@@ -13738,10 +13577,10 @@
                 <a:latin typeface="+mn-ea"/>
                 <a:ea typeface="+mn-ea"/>
               </a:rPr>
-              <a:t>VSC</a:t>
-            </a:r>
-            <a:r>
-              <a:rPr lang="ko-KR" altLang="en-US" sz="2400" b="1" dirty="0">
+              <a:t>VCS</a:t>
+            </a:r>
+            <a:r>
+              <a:rPr lang="ko-KR" altLang="en-US" sz="2400" b="1" dirty="0" smtClean="0">
                 <a:latin typeface="+mn-ea"/>
                 <a:ea typeface="+mn-ea"/>
               </a:rPr>
@@ -13883,57 +13722,37 @@
                 <a:latin typeface="+mj-ea"/>
                 <a:ea typeface="+mj-ea"/>
               </a:rPr>
-              <a:t>■  </a:t>
-            </a:r>
-            <a:r>
-              <a:rPr lang="ko-KR" altLang="en-US" sz="2000" b="1" dirty="0" smtClean="0">
+              <a:t>■  중앙집중식 </a:t>
+            </a:r>
+            <a:r>
+              <a:rPr lang="en-US" altLang="ko-KR" sz="2000" b="1" dirty="0" smtClean="0">
                 <a:solidFill>
                   <a:schemeClr val="bg1"/>
                 </a:solidFill>
                 <a:latin typeface="+mj-ea"/>
                 <a:ea typeface="+mj-ea"/>
               </a:rPr>
-              <a:t>중앙집중식 </a:t>
-            </a:r>
-            <a:r>
-              <a:rPr lang="en-US" altLang="ko-KR" sz="2000" b="1" dirty="0" smtClean="0">
+              <a:t>- </a:t>
+            </a:r>
+            <a:r>
+              <a:rPr lang="ko-KR" altLang="en-US" sz="2000" b="1" dirty="0" smtClean="0">
                 <a:solidFill>
                   <a:schemeClr val="bg1"/>
                 </a:solidFill>
                 <a:latin typeface="+mj-ea"/>
                 <a:ea typeface="+mj-ea"/>
               </a:rPr>
-              <a:t>- </a:t>
-            </a:r>
-            <a:r>
-              <a:rPr lang="ko-KR" altLang="en-US" sz="2000" b="1" dirty="0" smtClean="0">
+              <a:t> </a:t>
+            </a:r>
+            <a:r>
+              <a:rPr lang="en-US" altLang="ko-KR" sz="2000" b="1" dirty="0" smtClean="0">
                 <a:solidFill>
                   <a:schemeClr val="bg1"/>
                 </a:solidFill>
                 <a:latin typeface="+mj-ea"/>
                 <a:ea typeface="+mj-ea"/>
               </a:rPr>
-              <a:t> </a:t>
-            </a:r>
-            <a:r>
-              <a:rPr lang="en-US" altLang="ko-KR" sz="2000" b="1" dirty="0" smtClean="0">
-                <a:solidFill>
-                  <a:schemeClr val="bg1"/>
-                </a:solidFill>
-                <a:latin typeface="+mj-ea"/>
-                <a:ea typeface="+mj-ea"/>
-              </a:rPr>
-              <a:t>C</a:t>
-            </a:r>
-            <a:r>
-              <a:rPr lang="en-US" altLang="ko-KR" sz="2000" b="1" dirty="0" smtClean="0">
-                <a:solidFill>
-                  <a:schemeClr val="bg1"/>
-                </a:solidFill>
-                <a:latin typeface="+mj-ea"/>
-                <a:ea typeface="+mj-ea"/>
-              </a:rPr>
-              <a:t>VSC</a:t>
+              <a:t>CVCS</a:t>
             </a:r>
             <a:endParaRPr lang="ko-KR" altLang="en-US" sz="2000" b="1" dirty="0">
               <a:solidFill>
@@ -14164,7 +13983,7 @@
           <a:p>
             <a:fld id="{7993E29E-824C-4158-9A08-019E078776C9}" type="datetime1">
               <a:rPr lang="ko-KR" altLang="en-US" smtClean="0"/>
-              <a:t>2015-03-18</a:t>
+              <a:t>2015-03-19</a:t>
             </a:fld>
             <a:endParaRPr lang="ko-KR" altLang="en-US"/>
           </a:p>
@@ -14270,10 +14089,10 @@
                 <a:latin typeface="+mn-ea"/>
                 <a:ea typeface="+mn-ea"/>
               </a:rPr>
-              <a:t>VSC</a:t>
-            </a:r>
-            <a:r>
-              <a:rPr lang="ko-KR" altLang="en-US" sz="2400" b="1" dirty="0">
+              <a:t>VCS</a:t>
+            </a:r>
+            <a:r>
+              <a:rPr lang="ko-KR" altLang="en-US" sz="2400" b="1" dirty="0" smtClean="0">
                 <a:latin typeface="+mn-ea"/>
                 <a:ea typeface="+mn-ea"/>
               </a:rPr>
@@ -14415,17 +14234,17 @@
                 <a:latin typeface="+mj-ea"/>
                 <a:ea typeface="+mj-ea"/>
               </a:rPr>
-              <a:t>■  </a:t>
-            </a:r>
-            <a:r>
-              <a:rPr lang="ko-KR" altLang="en-US" sz="2000" b="1" dirty="0" smtClean="0">
+              <a:t>■  분산 </a:t>
+            </a:r>
+            <a:r>
+              <a:rPr lang="en-US" altLang="ko-KR" sz="2000" b="1" dirty="0" smtClean="0">
                 <a:solidFill>
                   <a:schemeClr val="bg1"/>
                 </a:solidFill>
                 <a:latin typeface="+mj-ea"/>
                 <a:ea typeface="+mj-ea"/>
               </a:rPr>
-              <a:t>분산</a:t>
+              <a:t>- </a:t>
             </a:r>
             <a:r>
               <a:rPr lang="ko-KR" altLang="en-US" sz="2000" b="1" dirty="0" smtClean="0">
@@ -14445,37 +14264,7 @@
                 <a:latin typeface="+mj-ea"/>
                 <a:ea typeface="+mj-ea"/>
               </a:rPr>
-              <a:t>- </a:t>
-            </a:r>
-            <a:r>
-              <a:rPr lang="ko-KR" altLang="en-US" sz="2000" b="1" dirty="0" smtClean="0">
-                <a:solidFill>
-                  <a:schemeClr val="bg1"/>
-                </a:solidFill>
-                <a:latin typeface="+mj-ea"/>
-                <a:ea typeface="+mj-ea"/>
-              </a:rPr>
-              <a:t> </a:t>
-            </a:r>
-            <a:r>
-              <a:rPr lang="en-US" altLang="ko-KR" sz="2000" b="1" dirty="0" smtClean="0">
-                <a:solidFill>
-                  <a:schemeClr val="bg1"/>
-                </a:solidFill>
-                <a:latin typeface="+mj-ea"/>
-                <a:ea typeface="+mj-ea"/>
-              </a:rPr>
-              <a:t>D</a:t>
-            </a:r>
-            <a:r>
-              <a:rPr lang="en-US" altLang="ko-KR" sz="2000" b="1" dirty="0" smtClean="0">
-                <a:solidFill>
-                  <a:schemeClr val="bg1"/>
-                </a:solidFill>
-                <a:latin typeface="+mj-ea"/>
-                <a:ea typeface="+mj-ea"/>
-              </a:rPr>
-              <a:t>VSC</a:t>
+              <a:t>DVCS</a:t>
             </a:r>
             <a:endParaRPr lang="ko-KR" altLang="en-US" sz="2000" b="1" dirty="0">
               <a:solidFill>
@@ -14738,7 +14527,7 @@
           <a:p>
             <a:fld id="{7993E29E-824C-4158-9A08-019E078776C9}" type="datetime1">
               <a:rPr lang="ko-KR" altLang="en-US" smtClean="0"/>
-              <a:t>2015-03-18</a:t>
+              <a:t>2015-03-19</a:t>
             </a:fld>
             <a:endParaRPr lang="ko-KR" altLang="en-US"/>
           </a:p>
@@ -14851,14 +14640,7 @@
                 <a:latin typeface="+mn-ea"/>
                 <a:ea typeface="+mn-ea"/>
               </a:rPr>
-              <a:t> </a:t>
-            </a:r>
-            <a:r>
-              <a:rPr lang="ko-KR" altLang="en-US" sz="2400" b="1" dirty="0" smtClean="0">
-                <a:latin typeface="+mn-ea"/>
-                <a:ea typeface="+mn-ea"/>
-              </a:rPr>
-              <a:t>개요</a:t>
+              <a:t> 개요</a:t>
             </a:r>
             <a:endParaRPr lang="ko-KR" altLang="en-US" sz="2400" b="1" dirty="0">
               <a:latin typeface="+mn-ea"/>
@@ -14959,7 +14741,7 @@
           <a:p>
             <a:fld id="{1FD01706-F32A-44D1-B068-26EE1DCA7CB0}" type="datetime1">
               <a:rPr lang="ko-KR" altLang="en-US" smtClean="0"/>
-              <a:t>2015-03-18</a:t>
+              <a:t>2015-03-19</a:t>
             </a:fld>
             <a:endParaRPr lang="ko-KR" altLang="en-US"/>
           </a:p>
@@ -15884,7 +15666,7 @@
   <a:extraClrSchemeLst/>
   <a:extLst>
     <a:ext uri="{05A4C25C-085E-4340-85A3-A5531E510DB2}">
-      <thm15:themeFamily xmlns:thm15="http://schemas.microsoft.com/office/thememl/2012/main" xmlns="" name="Office Theme" id="{62F939B6-93AF-4DB8-9C6B-D6C7DFDC589F}" vid="{4A3C46E8-61CC-4603-A589-7422A47A8E4A}"/>
+      <thm15:themeFamily xmlns="" xmlns:thm15="http://schemas.microsoft.com/office/thememl/2012/main" name="Office Theme" id="{62F939B6-93AF-4DB8-9C6B-D6C7DFDC589F}" vid="{4A3C46E8-61CC-4603-A589-7422A47A8E4A}"/>
     </a:ext>
   </a:extLst>
 </a:theme>
